--- a/docs/diagrams/UIExplanations.pptx
+++ b/docs/diagrams/UIExplanations.pptx
@@ -104,6 +104,11 @@
       </a:defRPr>
     </a:lvl9pPr>
   </p:defaultTextStyle>
+  <p:extLst>
+    <p:ext uri="{EFAFB233-063F-42B5-8137-9DF3F51BA10A}">
+      <p15:sldGuideLst xmlns:p15="http://schemas.microsoft.com/office/powerpoint/2012/main"/>
+    </p:ext>
+  </p:extLst>
 </p:presentation>
 </file>
 
@@ -260,7 +265,7 @@
           <a:p>
             <a:fld id="{FB28C881-439E-45C4-9767-909B1CF98A27}" type="datetimeFigureOut">
               <a:rPr lang="en-GB" smtClean="0"/>
-              <a:t>10/04/2018</a:t>
+              <a:t>12/04/2018</a:t>
             </a:fld>
             <a:endParaRPr lang="en-GB"/>
           </a:p>
@@ -460,7 +465,7 @@
           <a:p>
             <a:fld id="{FB28C881-439E-45C4-9767-909B1CF98A27}" type="datetimeFigureOut">
               <a:rPr lang="en-GB" smtClean="0"/>
-              <a:t>10/04/2018</a:t>
+              <a:t>12/04/2018</a:t>
             </a:fld>
             <a:endParaRPr lang="en-GB"/>
           </a:p>
@@ -670,7 +675,7 @@
           <a:p>
             <a:fld id="{FB28C881-439E-45C4-9767-909B1CF98A27}" type="datetimeFigureOut">
               <a:rPr lang="en-GB" smtClean="0"/>
-              <a:t>10/04/2018</a:t>
+              <a:t>12/04/2018</a:t>
             </a:fld>
             <a:endParaRPr lang="en-GB"/>
           </a:p>
@@ -870,7 +875,7 @@
           <a:p>
             <a:fld id="{FB28C881-439E-45C4-9767-909B1CF98A27}" type="datetimeFigureOut">
               <a:rPr lang="en-GB" smtClean="0"/>
-              <a:t>10/04/2018</a:t>
+              <a:t>12/04/2018</a:t>
             </a:fld>
             <a:endParaRPr lang="en-GB"/>
           </a:p>
@@ -1146,7 +1151,7 @@
           <a:p>
             <a:fld id="{FB28C881-439E-45C4-9767-909B1CF98A27}" type="datetimeFigureOut">
               <a:rPr lang="en-GB" smtClean="0"/>
-              <a:t>10/04/2018</a:t>
+              <a:t>12/04/2018</a:t>
             </a:fld>
             <a:endParaRPr lang="en-GB"/>
           </a:p>
@@ -1414,7 +1419,7 @@
           <a:p>
             <a:fld id="{FB28C881-439E-45C4-9767-909B1CF98A27}" type="datetimeFigureOut">
               <a:rPr lang="en-GB" smtClean="0"/>
-              <a:t>10/04/2018</a:t>
+              <a:t>12/04/2018</a:t>
             </a:fld>
             <a:endParaRPr lang="en-GB"/>
           </a:p>
@@ -1829,7 +1834,7 @@
           <a:p>
             <a:fld id="{FB28C881-439E-45C4-9767-909B1CF98A27}" type="datetimeFigureOut">
               <a:rPr lang="en-GB" smtClean="0"/>
-              <a:t>10/04/2018</a:t>
+              <a:t>12/04/2018</a:t>
             </a:fld>
             <a:endParaRPr lang="en-GB"/>
           </a:p>
@@ -1971,7 +1976,7 @@
           <a:p>
             <a:fld id="{FB28C881-439E-45C4-9767-909B1CF98A27}" type="datetimeFigureOut">
               <a:rPr lang="en-GB" smtClean="0"/>
-              <a:t>10/04/2018</a:t>
+              <a:t>12/04/2018</a:t>
             </a:fld>
             <a:endParaRPr lang="en-GB"/>
           </a:p>
@@ -2084,7 +2089,7 @@
           <a:p>
             <a:fld id="{FB28C881-439E-45C4-9767-909B1CF98A27}" type="datetimeFigureOut">
               <a:rPr lang="en-GB" smtClean="0"/>
-              <a:t>10/04/2018</a:t>
+              <a:t>12/04/2018</a:t>
             </a:fld>
             <a:endParaRPr lang="en-GB"/>
           </a:p>
@@ -2397,7 +2402,7 @@
           <a:p>
             <a:fld id="{FB28C881-439E-45C4-9767-909B1CF98A27}" type="datetimeFigureOut">
               <a:rPr lang="en-GB" smtClean="0"/>
-              <a:t>10/04/2018</a:t>
+              <a:t>12/04/2018</a:t>
             </a:fld>
             <a:endParaRPr lang="en-GB"/>
           </a:p>
@@ -2686,7 +2691,7 @@
           <a:p>
             <a:fld id="{FB28C881-439E-45C4-9767-909B1CF98A27}" type="datetimeFigureOut">
               <a:rPr lang="en-GB" smtClean="0"/>
-              <a:t>10/04/2018</a:t>
+              <a:t>12/04/2018</a:t>
             </a:fld>
             <a:endParaRPr lang="en-GB"/>
           </a:p>
@@ -2929,7 +2934,7 @@
           <a:p>
             <a:fld id="{FB28C881-439E-45C4-9767-909B1CF98A27}" type="datetimeFigureOut">
               <a:rPr lang="en-GB" smtClean="0"/>
-              <a:t>10/04/2018</a:t>
+              <a:t>12/04/2018</a:t>
             </a:fld>
             <a:endParaRPr lang="en-GB"/>
           </a:p>
@@ -3547,25 +3552,8 @@
                   </a:schemeClr>
                 </a:solidFill>
               </a:rPr>
-              <a:t>Click on this tab to display the help </a:t>
-            </a:r>
-            <a:r>
-              <a:rPr lang="en-GB" sz="1400" i="1" dirty="0" err="1">
-                <a:solidFill>
-                  <a:schemeClr val="accent5">
-                    <a:lumMod val="50000"/>
-                  </a:schemeClr>
-                </a:solidFill>
-              </a:rPr>
-              <a:t>screeen</a:t>
-            </a:r>
-            <a:endParaRPr lang="en-GB" sz="1400" i="1" dirty="0">
-              <a:solidFill>
-                <a:schemeClr val="accent5">
-                  <a:lumMod val="50000"/>
-                </a:schemeClr>
-              </a:solidFill>
-            </a:endParaRPr>
+              <a:t>Click on this tab to display the help screen</a:t>
+            </a:r>
           </a:p>
         </p:txBody>
       </p:sp>
@@ -3916,7 +3904,7 @@
                   </a:schemeClr>
                 </a:solidFill>
               </a:rPr>
-              <a:t>Shows updates and changes in the address book</a:t>
+              <a:t>Shows when the address book was last updated</a:t>
             </a:r>
           </a:p>
         </p:txBody>

--- a/docs/diagrams/UIExplanations.pptx
+++ b/docs/diagrams/UIExplanations.pptx
@@ -265,7 +265,7 @@
           <a:p>
             <a:fld id="{FB28C881-439E-45C4-9767-909B1CF98A27}" type="datetimeFigureOut">
               <a:rPr lang="en-GB" smtClean="0"/>
-              <a:t>12/04/2018</a:t>
+              <a:t>13/04/2018</a:t>
             </a:fld>
             <a:endParaRPr lang="en-GB"/>
           </a:p>
@@ -465,7 +465,7 @@
           <a:p>
             <a:fld id="{FB28C881-439E-45C4-9767-909B1CF98A27}" type="datetimeFigureOut">
               <a:rPr lang="en-GB" smtClean="0"/>
-              <a:t>12/04/2018</a:t>
+              <a:t>13/04/2018</a:t>
             </a:fld>
             <a:endParaRPr lang="en-GB"/>
           </a:p>
@@ -675,7 +675,7 @@
           <a:p>
             <a:fld id="{FB28C881-439E-45C4-9767-909B1CF98A27}" type="datetimeFigureOut">
               <a:rPr lang="en-GB" smtClean="0"/>
-              <a:t>12/04/2018</a:t>
+              <a:t>13/04/2018</a:t>
             </a:fld>
             <a:endParaRPr lang="en-GB"/>
           </a:p>
@@ -875,7 +875,7 @@
           <a:p>
             <a:fld id="{FB28C881-439E-45C4-9767-909B1CF98A27}" type="datetimeFigureOut">
               <a:rPr lang="en-GB" smtClean="0"/>
-              <a:t>12/04/2018</a:t>
+              <a:t>13/04/2018</a:t>
             </a:fld>
             <a:endParaRPr lang="en-GB"/>
           </a:p>
@@ -1151,7 +1151,7 @@
           <a:p>
             <a:fld id="{FB28C881-439E-45C4-9767-909B1CF98A27}" type="datetimeFigureOut">
               <a:rPr lang="en-GB" smtClean="0"/>
-              <a:t>12/04/2018</a:t>
+              <a:t>13/04/2018</a:t>
             </a:fld>
             <a:endParaRPr lang="en-GB"/>
           </a:p>
@@ -1419,7 +1419,7 @@
           <a:p>
             <a:fld id="{FB28C881-439E-45C4-9767-909B1CF98A27}" type="datetimeFigureOut">
               <a:rPr lang="en-GB" smtClean="0"/>
-              <a:t>12/04/2018</a:t>
+              <a:t>13/04/2018</a:t>
             </a:fld>
             <a:endParaRPr lang="en-GB"/>
           </a:p>
@@ -1834,7 +1834,7 @@
           <a:p>
             <a:fld id="{FB28C881-439E-45C4-9767-909B1CF98A27}" type="datetimeFigureOut">
               <a:rPr lang="en-GB" smtClean="0"/>
-              <a:t>12/04/2018</a:t>
+              <a:t>13/04/2018</a:t>
             </a:fld>
             <a:endParaRPr lang="en-GB"/>
           </a:p>
@@ -1976,7 +1976,7 @@
           <a:p>
             <a:fld id="{FB28C881-439E-45C4-9767-909B1CF98A27}" type="datetimeFigureOut">
               <a:rPr lang="en-GB" smtClean="0"/>
-              <a:t>12/04/2018</a:t>
+              <a:t>13/04/2018</a:t>
             </a:fld>
             <a:endParaRPr lang="en-GB"/>
           </a:p>
@@ -2089,7 +2089,7 @@
           <a:p>
             <a:fld id="{FB28C881-439E-45C4-9767-909B1CF98A27}" type="datetimeFigureOut">
               <a:rPr lang="en-GB" smtClean="0"/>
-              <a:t>12/04/2018</a:t>
+              <a:t>13/04/2018</a:t>
             </a:fld>
             <a:endParaRPr lang="en-GB"/>
           </a:p>
@@ -2402,7 +2402,7 @@
           <a:p>
             <a:fld id="{FB28C881-439E-45C4-9767-909B1CF98A27}" type="datetimeFigureOut">
               <a:rPr lang="en-GB" smtClean="0"/>
-              <a:t>12/04/2018</a:t>
+              <a:t>13/04/2018</a:t>
             </a:fld>
             <a:endParaRPr lang="en-GB"/>
           </a:p>
@@ -2691,7 +2691,7 @@
           <a:p>
             <a:fld id="{FB28C881-439E-45C4-9767-909B1CF98A27}" type="datetimeFigureOut">
               <a:rPr lang="en-GB" smtClean="0"/>
-              <a:t>12/04/2018</a:t>
+              <a:t>13/04/2018</a:t>
             </a:fld>
             <a:endParaRPr lang="en-GB"/>
           </a:p>
@@ -2934,7 +2934,7 @@
           <a:p>
             <a:fld id="{FB28C881-439E-45C4-9767-909B1CF98A27}" type="datetimeFigureOut">
               <a:rPr lang="en-GB" smtClean="0"/>
-              <a:t>12/04/2018</a:t>
+              <a:t>13/04/2018</a:t>
             </a:fld>
             <a:endParaRPr lang="en-GB"/>
           </a:p>
@@ -3353,10 +3353,10 @@
       </p:grpSpPr>
       <p:pic>
         <p:nvPicPr>
-          <p:cNvPr id="4" name="Picture 3">
-            <a:extLst>
-              <a:ext uri="{FF2B5EF4-FFF2-40B4-BE49-F238E27FC236}">
-                <a16:creationId xmlns:a16="http://schemas.microsoft.com/office/drawing/2014/main" id="{E5DF79BA-4B49-4AF9-A830-B1D9ACCB309E}"/>
+          <p:cNvPr id="2" name="Picture 1">
+            <a:extLst>
+              <a:ext uri="{FF2B5EF4-FFF2-40B4-BE49-F238E27FC236}">
+                <a16:creationId xmlns:a16="http://schemas.microsoft.com/office/drawing/2014/main" id="{E8193391-A41F-4BEB-A68A-6AB5AE7919A4}"/>
               </a:ext>
             </a:extLst>
           </p:cNvPr>
@@ -3373,8 +3373,8 @@
         </p:blipFill>
         <p:spPr>
           <a:xfrm>
-            <a:off x="861134" y="765791"/>
-            <a:ext cx="10168353" cy="5541483"/>
+            <a:off x="861134" y="765790"/>
+            <a:ext cx="10174620" cy="5541484"/>
           </a:xfrm>
           <a:prstGeom prst="rect">
             <a:avLst/>
@@ -3640,7 +3640,7 @@
                   </a:schemeClr>
                 </a:solidFill>
               </a:rPr>
-              <a:t>Results of executed commands are displayed here</a:t>
+              <a:t>Displays results of executed commands</a:t>
             </a:r>
           </a:p>
         </p:txBody>
